--- a/B2_ProposerModele/B2_07_ModelisationSchemaBlocs/51_MCC/images/Figures.pptx
+++ b/B2_ProposerModele/B2_07_ModelisationSchemaBlocs/51_MCC/images/Figures.pptx
@@ -6,11 +6,12 @@
   </p:sldMasterIdLst>
   <p:sldIdLst>
     <p:sldId id="256" r:id="rId2"/>
-    <p:sldId id="261" r:id="rId3"/>
-    <p:sldId id="257" r:id="rId4"/>
-    <p:sldId id="258" r:id="rId5"/>
-    <p:sldId id="259" r:id="rId6"/>
-    <p:sldId id="260" r:id="rId7"/>
+    <p:sldId id="262" r:id="rId3"/>
+    <p:sldId id="261" r:id="rId4"/>
+    <p:sldId id="257" r:id="rId5"/>
+    <p:sldId id="258" r:id="rId6"/>
+    <p:sldId id="259" r:id="rId7"/>
+    <p:sldId id="260" r:id="rId8"/>
   </p:sldIdLst>
   <p:sldSz cx="9144000" cy="6858000" type="screen4x3"/>
   <p:notesSz cx="6858000" cy="9144000"/>
@@ -309,7 +310,7 @@
           <a:p>
             <a:fld id="{AA309A6D-C09C-4548-B29A-6CF363A7E532}" type="datetimeFigureOut">
               <a:rPr lang="fr-FR" smtClean="0"/>
-              <a:t>16/09/2018</a:t>
+              <a:t>27/07/2021</a:t>
             </a:fld>
             <a:endParaRPr lang="fr-BE"/>
           </a:p>
@@ -474,7 +475,7 @@
           <a:p>
             <a:fld id="{AA309A6D-C09C-4548-B29A-6CF363A7E532}" type="datetimeFigureOut">
               <a:rPr lang="fr-FR" smtClean="0"/>
-              <a:t>16/09/2018</a:t>
+              <a:t>27/07/2021</a:t>
             </a:fld>
             <a:endParaRPr lang="fr-BE"/>
           </a:p>
@@ -649,7 +650,7 @@
           <a:p>
             <a:fld id="{AA309A6D-C09C-4548-B29A-6CF363A7E532}" type="datetimeFigureOut">
               <a:rPr lang="fr-FR" smtClean="0"/>
-              <a:t>16/09/2018</a:t>
+              <a:t>27/07/2021</a:t>
             </a:fld>
             <a:endParaRPr lang="fr-BE"/>
           </a:p>
@@ -814,7 +815,7 @@
           <a:p>
             <a:fld id="{AA309A6D-C09C-4548-B29A-6CF363A7E532}" type="datetimeFigureOut">
               <a:rPr lang="fr-FR" smtClean="0"/>
-              <a:t>16/09/2018</a:t>
+              <a:t>27/07/2021</a:t>
             </a:fld>
             <a:endParaRPr lang="fr-BE"/>
           </a:p>
@@ -1055,7 +1056,7 @@
           <a:p>
             <a:fld id="{AA309A6D-C09C-4548-B29A-6CF363A7E532}" type="datetimeFigureOut">
               <a:rPr lang="fr-FR" smtClean="0"/>
-              <a:t>16/09/2018</a:t>
+              <a:t>27/07/2021</a:t>
             </a:fld>
             <a:endParaRPr lang="fr-BE"/>
           </a:p>
@@ -1338,7 +1339,7 @@
           <a:p>
             <a:fld id="{AA309A6D-C09C-4548-B29A-6CF363A7E532}" type="datetimeFigureOut">
               <a:rPr lang="fr-FR" smtClean="0"/>
-              <a:t>16/09/2018</a:t>
+              <a:t>27/07/2021</a:t>
             </a:fld>
             <a:endParaRPr lang="fr-BE"/>
           </a:p>
@@ -1755,7 +1756,7 @@
           <a:p>
             <a:fld id="{AA309A6D-C09C-4548-B29A-6CF363A7E532}" type="datetimeFigureOut">
               <a:rPr lang="fr-FR" smtClean="0"/>
-              <a:t>16/09/2018</a:t>
+              <a:t>27/07/2021</a:t>
             </a:fld>
             <a:endParaRPr lang="fr-BE"/>
           </a:p>
@@ -1868,7 +1869,7 @@
           <a:p>
             <a:fld id="{AA309A6D-C09C-4548-B29A-6CF363A7E532}" type="datetimeFigureOut">
               <a:rPr lang="fr-FR" smtClean="0"/>
-              <a:t>16/09/2018</a:t>
+              <a:t>27/07/2021</a:t>
             </a:fld>
             <a:endParaRPr lang="fr-BE"/>
           </a:p>
@@ -1958,7 +1959,7 @@
           <a:p>
             <a:fld id="{AA309A6D-C09C-4548-B29A-6CF363A7E532}" type="datetimeFigureOut">
               <a:rPr lang="fr-FR" smtClean="0"/>
-              <a:t>16/09/2018</a:t>
+              <a:t>27/07/2021</a:t>
             </a:fld>
             <a:endParaRPr lang="fr-BE"/>
           </a:p>
@@ -2230,7 +2231,7 @@
           <a:p>
             <a:fld id="{AA309A6D-C09C-4548-B29A-6CF363A7E532}" type="datetimeFigureOut">
               <a:rPr lang="fr-FR" smtClean="0"/>
-              <a:t>16/09/2018</a:t>
+              <a:t>27/07/2021</a:t>
             </a:fld>
             <a:endParaRPr lang="fr-BE"/>
           </a:p>
@@ -2478,7 +2479,7 @@
           <a:p>
             <a:fld id="{AA309A6D-C09C-4548-B29A-6CF363A7E532}" type="datetimeFigureOut">
               <a:rPr lang="fr-FR" smtClean="0"/>
-              <a:t>16/09/2018</a:t>
+              <a:t>27/07/2021</a:t>
             </a:fld>
             <a:endParaRPr lang="fr-BE"/>
           </a:p>
@@ -2686,7 +2687,7 @@
           <a:p>
             <a:fld id="{AA309A6D-C09C-4548-B29A-6CF363A7E532}" type="datetimeFigureOut">
               <a:rPr lang="fr-FR" smtClean="0"/>
-              <a:t>16/09/2018</a:t>
+              <a:t>27/07/2021</a:t>
             </a:fld>
             <a:endParaRPr lang="fr-BE"/>
           </a:p>
@@ -3056,8 +3057,8 @@
           <a:chExt cx="0" cy="0"/>
         </a:xfrm>
       </p:grpSpPr>
-      <mc:AlternateContent xmlns:mc="http://schemas.openxmlformats.org/markup-compatibility/2006">
-        <mc:Choice xmlns:a14="http://schemas.microsoft.com/office/drawing/2010/main" Requires="a14">
+      <mc:AlternateContent xmlns:mc="http://schemas.openxmlformats.org/markup-compatibility/2006" xmlns:a14="http://schemas.microsoft.com/office/drawing/2010/main">
+        <mc:Choice Requires="a14">
           <p:sp>
             <p:nvSpPr>
               <p:cNvPr id="4" name="Rectangle 3">
@@ -3178,7 +3179,7 @@
             </p:txBody>
           </p:sp>
         </mc:Choice>
-        <mc:Fallback>
+        <mc:Fallback xmlns="">
           <p:sp>
             <p:nvSpPr>
               <p:cNvPr id="4" name="Rectangle 3">
@@ -3230,8 +3231,8 @@
           </p:sp>
         </mc:Fallback>
       </mc:AlternateContent>
-      <mc:AlternateContent xmlns:mc="http://schemas.openxmlformats.org/markup-compatibility/2006">
-        <mc:Choice xmlns:a14="http://schemas.microsoft.com/office/drawing/2010/main" Requires="a14">
+      <mc:AlternateContent xmlns:mc="http://schemas.openxmlformats.org/markup-compatibility/2006" xmlns:a14="http://schemas.microsoft.com/office/drawing/2010/main">
+        <mc:Choice Requires="a14">
           <p:sp>
             <p:nvSpPr>
               <p:cNvPr id="5" name="Rectangle 4">
@@ -3309,7 +3310,7 @@
             </p:txBody>
           </p:sp>
         </mc:Choice>
-        <mc:Fallback>
+        <mc:Fallback xmlns="">
           <p:sp>
             <p:nvSpPr>
               <p:cNvPr id="5" name="Rectangle 4">
@@ -3361,8 +3362,8 @@
           </p:sp>
         </mc:Fallback>
       </mc:AlternateContent>
-      <mc:AlternateContent xmlns:mc="http://schemas.openxmlformats.org/markup-compatibility/2006">
-        <mc:Choice xmlns:a14="http://schemas.microsoft.com/office/drawing/2010/main" Requires="a14">
+      <mc:AlternateContent xmlns:mc="http://schemas.openxmlformats.org/markup-compatibility/2006" xmlns:a14="http://schemas.microsoft.com/office/drawing/2010/main">
+        <mc:Choice Requires="a14">
           <p:sp>
             <p:nvSpPr>
               <p:cNvPr id="6" name="Rectangle 5">
@@ -3440,7 +3441,7 @@
             </p:txBody>
           </p:sp>
         </mc:Choice>
-        <mc:Fallback>
+        <mc:Fallback xmlns="">
           <p:sp>
             <p:nvSpPr>
               <p:cNvPr id="6" name="Rectangle 5">
@@ -4169,8 +4170,8 @@
           </a:fontRef>
         </p:style>
       </p:cxnSp>
-      <mc:AlternateContent xmlns:mc="http://schemas.openxmlformats.org/markup-compatibility/2006">
-        <mc:Choice xmlns:a14="http://schemas.microsoft.com/office/drawing/2010/main" Requires="a14">
+      <mc:AlternateContent xmlns:mc="http://schemas.openxmlformats.org/markup-compatibility/2006" xmlns:a14="http://schemas.microsoft.com/office/drawing/2010/main">
+        <mc:Choice Requires="a14">
           <p:sp>
             <p:nvSpPr>
               <p:cNvPr id="50" name="Rectangle 49">
@@ -4236,7 +4237,7 @@
             </p:txBody>
           </p:sp>
         </mc:Choice>
-        <mc:Fallback>
+        <mc:Fallback xmlns="">
           <p:sp>
             <p:nvSpPr>
               <p:cNvPr id="50" name="Rectangle 49">
@@ -4661,8 +4662,8 @@
           </p:sp>
         </mc:Fallback>
       </mc:AlternateContent>
-      <mc:AlternateContent xmlns:mc="http://schemas.openxmlformats.org/markup-compatibility/2006">
-        <mc:Choice xmlns:a14="http://schemas.microsoft.com/office/drawing/2010/main" Requires="a14">
+      <mc:AlternateContent xmlns:mc="http://schemas.openxmlformats.org/markup-compatibility/2006" xmlns:a14="http://schemas.microsoft.com/office/drawing/2010/main">
+        <mc:Choice Requires="a14">
           <p:sp>
             <p:nvSpPr>
               <p:cNvPr id="27" name="Rectangle 26">
@@ -4728,7 +4729,7 @@
             </p:txBody>
           </p:sp>
         </mc:Choice>
-        <mc:Fallback>
+        <mc:Fallback xmlns="">
           <p:sp>
             <p:nvSpPr>
               <p:cNvPr id="27" name="Rectangle 26">
@@ -4773,8 +4774,8 @@
           </p:sp>
         </mc:Fallback>
       </mc:AlternateContent>
-      <mc:AlternateContent xmlns:mc="http://schemas.openxmlformats.org/markup-compatibility/2006">
-        <mc:Choice xmlns:a14="http://schemas.microsoft.com/office/drawing/2010/main" Requires="a14">
+      <mc:AlternateContent xmlns:mc="http://schemas.openxmlformats.org/markup-compatibility/2006" xmlns:a14="http://schemas.microsoft.com/office/drawing/2010/main">
+        <mc:Choice Requires="a14">
           <p:sp>
             <p:nvSpPr>
               <p:cNvPr id="30" name="Rectangle 29">
@@ -4840,7 +4841,7 @@
             </p:txBody>
           </p:sp>
         </mc:Choice>
-        <mc:Fallback>
+        <mc:Fallback xmlns="">
           <p:sp>
             <p:nvSpPr>
               <p:cNvPr id="30" name="Rectangle 29">
@@ -4885,8 +4886,8 @@
           </p:sp>
         </mc:Fallback>
       </mc:AlternateContent>
-      <mc:AlternateContent xmlns:mc="http://schemas.openxmlformats.org/markup-compatibility/2006">
-        <mc:Choice xmlns:a14="http://schemas.microsoft.com/office/drawing/2010/main" Requires="a14">
+      <mc:AlternateContent xmlns:mc="http://schemas.openxmlformats.org/markup-compatibility/2006" xmlns:a14="http://schemas.microsoft.com/office/drawing/2010/main">
+        <mc:Choice Requires="a14">
           <p:sp>
             <p:nvSpPr>
               <p:cNvPr id="32" name="Rectangle 31">
@@ -5007,7 +5008,7 @@
             </p:txBody>
           </p:sp>
         </mc:Choice>
-        <mc:Fallback>
+        <mc:Fallback xmlns="">
           <p:sp>
             <p:nvSpPr>
               <p:cNvPr id="32" name="Rectangle 31">
@@ -5059,6 +5060,1104 @@
           </p:sp>
         </mc:Fallback>
       </mc:AlternateContent>
+      <mc:AlternateContent xmlns:mc="http://schemas.openxmlformats.org/markup-compatibility/2006" xmlns:a14="http://schemas.microsoft.com/office/drawing/2010/main">
+        <mc:Choice Requires="a14">
+          <p:sp>
+            <p:nvSpPr>
+              <p:cNvPr id="33" name="Rectangle 32">
+                <a:extLst>
+                  <a:ext uri="{FF2B5EF4-FFF2-40B4-BE49-F238E27FC236}">
+                    <a16:creationId xmlns:a16="http://schemas.microsoft.com/office/drawing/2014/main" id="{5DB9304B-1FC1-48E3-90CA-B4881708648A}"/>
+                  </a:ext>
+                </a:extLst>
+              </p:cNvPr>
+              <p:cNvSpPr/>
+              <p:nvPr/>
+            </p:nvSpPr>
+            <p:spPr>
+              <a:xfrm>
+                <a:off x="3488557" y="400018"/>
+                <a:ext cx="789190" cy="369332"/>
+              </a:xfrm>
+              <a:prstGeom prst="rect">
+                <a:avLst/>
+              </a:prstGeom>
+            </p:spPr>
+            <p:txBody>
+              <a:bodyPr wrap="none">
+                <a:spAutoFit/>
+              </a:bodyPr>
+              <a:lstStyle/>
+              <a:p>
+                <a:pPr/>
+                <a14:m>
+                  <m:oMathPara xmlns:m="http://schemas.openxmlformats.org/officeDocument/2006/math">
+                    <m:oMathParaPr>
+                      <m:jc m:val="centerGroup"/>
+                    </m:oMathParaPr>
+                    <m:oMath xmlns:m="http://schemas.openxmlformats.org/officeDocument/2006/math">
+                      <m:sSub>
+                        <m:sSubPr>
+                          <m:ctrlPr>
+                            <a:rPr lang="fr-FR" b="0" i="1" smtClean="0">
+                              <a:latin typeface="Cambria Math" panose="02040503050406030204" pitchFamily="18" charset="0"/>
+                            </a:rPr>
+                          </m:ctrlPr>
+                        </m:sSubPr>
+                        <m:e>
+                          <m:r>
+                            <a:rPr lang="fr-FR" b="0" i="1" smtClean="0">
+                              <a:latin typeface="Cambria Math" panose="02040503050406030204" pitchFamily="18" charset="0"/>
+                            </a:rPr>
+                            <m:t>𝐶</m:t>
+                          </m:r>
+                        </m:e>
+                        <m:sub>
+                          <m:r>
+                            <a:rPr lang="fr-FR" b="0" i="1" smtClean="0">
+                              <a:latin typeface="Cambria Math" panose="02040503050406030204" pitchFamily="18" charset="0"/>
+                            </a:rPr>
+                            <m:t>𝑟</m:t>
+                          </m:r>
+                        </m:sub>
+                      </m:sSub>
+                      <m:d>
+                        <m:dPr>
+                          <m:ctrlPr>
+                            <a:rPr lang="fr-FR" i="1">
+                              <a:latin typeface="Cambria Math" panose="02040503050406030204" pitchFamily="18" charset="0"/>
+                            </a:rPr>
+                          </m:ctrlPr>
+                        </m:dPr>
+                        <m:e>
+                          <m:r>
+                            <a:rPr lang="fr-FR" i="1">
+                              <a:latin typeface="Cambria Math" panose="02040503050406030204" pitchFamily="18" charset="0"/>
+                            </a:rPr>
+                            <m:t>𝑝</m:t>
+                          </m:r>
+                        </m:e>
+                      </m:d>
+                    </m:oMath>
+                  </m:oMathPara>
+                </a14:m>
+                <a:endParaRPr lang="fr-FR" dirty="0"/>
+              </a:p>
+            </p:txBody>
+          </p:sp>
+        </mc:Choice>
+        <mc:Fallback xmlns="">
+          <p:sp>
+            <p:nvSpPr>
+              <p:cNvPr id="33" name="Rectangle 32">
+                <a:extLst>
+                  <a:ext uri="{FF2B5EF4-FFF2-40B4-BE49-F238E27FC236}">
+                    <a16:creationId xmlns:a16="http://schemas.microsoft.com/office/drawing/2014/main" id="{5DB9304B-1FC1-48E3-90CA-B4881708648A}"/>
+                  </a:ext>
+                </a:extLst>
+              </p:cNvPr>
+              <p:cNvSpPr>
+                <a:spLocks noRot="1" noChangeAspect="1" noMove="1" noResize="1" noEditPoints="1" noAdjustHandles="1" noChangeArrowheads="1" noChangeShapeType="1" noTextEdit="1"/>
+              </p:cNvSpPr>
+              <p:nvPr/>
+            </p:nvSpPr>
+            <p:spPr>
+              <a:xfrm>
+                <a:off x="3488557" y="400018"/>
+                <a:ext cx="789190" cy="369332"/>
+              </a:xfrm>
+              <a:prstGeom prst="rect">
+                <a:avLst/>
+              </a:prstGeom>
+              <a:blipFill>
+                <a:blip r:embed="rId15"/>
+                <a:stretch>
+                  <a:fillRect b="-6667"/>
+                </a:stretch>
+              </a:blipFill>
+            </p:spPr>
+            <p:txBody>
+              <a:bodyPr/>
+              <a:lstStyle/>
+              <a:p>
+                <a:r>
+                  <a:rPr lang="fr-FR">
+                    <a:noFill/>
+                  </a:rPr>
+                  <a:t> </a:t>
+                </a:r>
+              </a:p>
+            </p:txBody>
+          </p:sp>
+        </mc:Fallback>
+      </mc:AlternateContent>
+      <p:cxnSp>
+        <p:nvCxnSpPr>
+          <p:cNvPr id="35" name="Connecteur droit avec flèche 34">
+            <a:extLst>
+              <a:ext uri="{FF2B5EF4-FFF2-40B4-BE49-F238E27FC236}">
+                <a16:creationId xmlns:a16="http://schemas.microsoft.com/office/drawing/2014/main" id="{9DA9ED59-42E8-4B6E-9B10-1B78399A4E4A}"/>
+              </a:ext>
+            </a:extLst>
+          </p:cNvPr>
+          <p:cNvCxnSpPr>
+            <a:cxnSpLocks/>
+          </p:cNvCxnSpPr>
+          <p:nvPr/>
+        </p:nvCxnSpPr>
+        <p:spPr>
+          <a:xfrm>
+            <a:off x="6019936" y="1569264"/>
+            <a:ext cx="756104" cy="0"/>
+          </a:xfrm>
+          <a:prstGeom prst="straightConnector1">
+            <a:avLst/>
+          </a:prstGeom>
+          <a:noFill/>
+          <a:ln w="19050">
+            <a:solidFill>
+              <a:schemeClr val="accent5">
+                <a:lumMod val="50000"/>
+              </a:schemeClr>
+            </a:solidFill>
+            <a:tailEnd type="stealth" w="med" len="lg"/>
+          </a:ln>
+        </p:spPr>
+        <p:style>
+          <a:lnRef idx="2">
+            <a:schemeClr val="accent1">
+              <a:shade val="50000"/>
+            </a:schemeClr>
+          </a:lnRef>
+          <a:fillRef idx="1">
+            <a:schemeClr val="accent1"/>
+          </a:fillRef>
+          <a:effectRef idx="0">
+            <a:schemeClr val="accent1"/>
+          </a:effectRef>
+          <a:fontRef idx="minor">
+            <a:schemeClr val="lt1"/>
+          </a:fontRef>
+        </p:style>
+      </p:cxnSp>
+      <mc:AlternateContent xmlns:mc="http://schemas.openxmlformats.org/markup-compatibility/2006" xmlns:a14="http://schemas.microsoft.com/office/drawing/2010/main">
+        <mc:Choice Requires="a14">
+          <p:sp>
+            <p:nvSpPr>
+              <p:cNvPr id="37" name="Rectangle 36">
+                <a:extLst>
+                  <a:ext uri="{FF2B5EF4-FFF2-40B4-BE49-F238E27FC236}">
+                    <a16:creationId xmlns:a16="http://schemas.microsoft.com/office/drawing/2014/main" id="{D8FFD7E3-F365-4796-AB4B-F4990DB697FC}"/>
+                  </a:ext>
+                </a:extLst>
+              </p:cNvPr>
+              <p:cNvSpPr/>
+              <p:nvPr/>
+            </p:nvSpPr>
+            <p:spPr>
+              <a:xfrm>
+                <a:off x="6279760" y="1132570"/>
+                <a:ext cx="717312" cy="369332"/>
+              </a:xfrm>
+              <a:prstGeom prst="rect">
+                <a:avLst/>
+              </a:prstGeom>
+            </p:spPr>
+            <p:txBody>
+              <a:bodyPr wrap="none">
+                <a:spAutoFit/>
+              </a:bodyPr>
+              <a:lstStyle/>
+              <a:p>
+                <a:pPr/>
+                <a14:m>
+                  <m:oMathPara xmlns:m="http://schemas.openxmlformats.org/officeDocument/2006/math">
+                    <m:oMathParaPr>
+                      <m:jc m:val="centerGroup"/>
+                    </m:oMathParaPr>
+                    <m:oMath xmlns:m="http://schemas.openxmlformats.org/officeDocument/2006/math">
+                      <m:r>
+                        <m:rPr>
+                          <m:sty m:val="p"/>
+                        </m:rPr>
+                        <a:rPr lang="fr-FR" b="0" i="0" smtClean="0">
+                          <a:latin typeface="Cambria Math" panose="02040503050406030204" pitchFamily="18" charset="0"/>
+                        </a:rPr>
+                        <m:t>Ω</m:t>
+                      </m:r>
+                      <m:d>
+                        <m:dPr>
+                          <m:ctrlPr>
+                            <a:rPr lang="fr-FR" i="1">
+                              <a:latin typeface="Cambria Math" panose="02040503050406030204" pitchFamily="18" charset="0"/>
+                            </a:rPr>
+                          </m:ctrlPr>
+                        </m:dPr>
+                        <m:e>
+                          <m:r>
+                            <a:rPr lang="fr-FR" i="1">
+                              <a:latin typeface="Cambria Math" panose="02040503050406030204" pitchFamily="18" charset="0"/>
+                            </a:rPr>
+                            <m:t>𝑝</m:t>
+                          </m:r>
+                        </m:e>
+                      </m:d>
+                    </m:oMath>
+                  </m:oMathPara>
+                </a14:m>
+                <a:endParaRPr lang="fr-FR" dirty="0"/>
+              </a:p>
+            </p:txBody>
+          </p:sp>
+        </mc:Choice>
+        <mc:Fallback xmlns="">
+          <p:sp>
+            <p:nvSpPr>
+              <p:cNvPr id="37" name="Rectangle 36">
+                <a:extLst>
+                  <a:ext uri="{FF2B5EF4-FFF2-40B4-BE49-F238E27FC236}">
+                    <a16:creationId xmlns:a16="http://schemas.microsoft.com/office/drawing/2014/main" id="{D8FFD7E3-F365-4796-AB4B-F4990DB697FC}"/>
+                  </a:ext>
+                </a:extLst>
+              </p:cNvPr>
+              <p:cNvSpPr>
+                <a:spLocks noRot="1" noChangeAspect="1" noMove="1" noResize="1" noEditPoints="1" noAdjustHandles="1" noChangeArrowheads="1" noChangeShapeType="1" noTextEdit="1"/>
+              </p:cNvSpPr>
+              <p:nvPr/>
+            </p:nvSpPr>
+            <p:spPr>
+              <a:xfrm>
+                <a:off x="6279760" y="1132570"/>
+                <a:ext cx="717312" cy="369332"/>
+              </a:xfrm>
+              <a:prstGeom prst="rect">
+                <a:avLst/>
+              </a:prstGeom>
+              <a:blipFill>
+                <a:blip r:embed="rId16"/>
+                <a:stretch>
+                  <a:fillRect b="-6667"/>
+                </a:stretch>
+              </a:blipFill>
+            </p:spPr>
+            <p:txBody>
+              <a:bodyPr/>
+              <a:lstStyle/>
+              <a:p>
+                <a:r>
+                  <a:rPr lang="fr-FR">
+                    <a:noFill/>
+                  </a:rPr>
+                  <a:t> </a:t>
+                </a:r>
+              </a:p>
+            </p:txBody>
+          </p:sp>
+        </mc:Fallback>
+      </mc:AlternateContent>
+    </p:spTree>
+    <p:extLst>
+      <p:ext uri="{BB962C8B-B14F-4D97-AF65-F5344CB8AC3E}">
+        <p14:creationId xmlns:p14="http://schemas.microsoft.com/office/powerpoint/2010/main" val="2034094253"/>
+      </p:ext>
+    </p:extLst>
+  </p:cSld>
+  <p:clrMapOvr>
+    <a:masterClrMapping/>
+  </p:clrMapOvr>
+</p:sld>
+</file>
+
+<file path=ppt/slides/slide2.xml><?xml version="1.0" encoding="utf-8"?>
+<p:sld xmlns:a="http://schemas.openxmlformats.org/drawingml/2006/main" xmlns:r="http://schemas.openxmlformats.org/officeDocument/2006/relationships" xmlns:p="http://schemas.openxmlformats.org/presentationml/2006/main">
+  <p:cSld>
+    <p:spTree>
+      <p:nvGrpSpPr>
+        <p:cNvPr id="1" name=""/>
+        <p:cNvGrpSpPr/>
+        <p:nvPr/>
+      </p:nvGrpSpPr>
+      <p:grpSpPr>
+        <a:xfrm>
+          <a:off x="0" y="0"/>
+          <a:ext cx="0" cy="0"/>
+          <a:chOff x="0" y="0"/>
+          <a:chExt cx="0" cy="0"/>
+        </a:xfrm>
+      </p:grpSpPr>
+      <mc:AlternateContent xmlns:mc="http://schemas.openxmlformats.org/markup-compatibility/2006">
+        <mc:Choice xmlns:a14="http://schemas.microsoft.com/office/drawing/2010/main" Requires="a14">
+          <p:sp>
+            <p:nvSpPr>
+              <p:cNvPr id="5" name="Rectangle 4">
+                <a:extLst>
+                  <a:ext uri="{FF2B5EF4-FFF2-40B4-BE49-F238E27FC236}">
+                    <a16:creationId xmlns:a16="http://schemas.microsoft.com/office/drawing/2014/main" id="{C44BCB26-F584-4B0C-9570-006E7F957EB4}"/>
+                  </a:ext>
+                </a:extLst>
+              </p:cNvPr>
+              <p:cNvSpPr/>
+              <p:nvPr/>
+            </p:nvSpPr>
+            <p:spPr>
+              <a:xfrm>
+                <a:off x="3131840" y="1340768"/>
+                <a:ext cx="1008112" cy="432048"/>
+              </a:xfrm>
+              <a:prstGeom prst="rect">
+                <a:avLst/>
+              </a:prstGeom>
+              <a:noFill/>
+              <a:ln w="19050">
+                <a:solidFill>
+                  <a:schemeClr val="accent5">
+                    <a:lumMod val="50000"/>
+                  </a:schemeClr>
+                </a:solidFill>
+              </a:ln>
+            </p:spPr>
+            <p:style>
+              <a:lnRef idx="2">
+                <a:schemeClr val="accent1">
+                  <a:shade val="50000"/>
+                </a:schemeClr>
+              </a:lnRef>
+              <a:fillRef idx="1">
+                <a:schemeClr val="accent1"/>
+              </a:fillRef>
+              <a:effectRef idx="0">
+                <a:schemeClr val="accent1"/>
+              </a:effectRef>
+              <a:fontRef idx="minor">
+                <a:schemeClr val="lt1"/>
+              </a:fontRef>
+            </p:style>
+            <p:txBody>
+              <a:bodyPr rtlCol="0" anchor="ctr"/>
+              <a:lstStyle/>
+              <a:p>
+                <a:pPr algn="ctr"/>
+                <a14:m>
+                  <m:oMathPara xmlns:m="http://schemas.openxmlformats.org/officeDocument/2006/math">
+                    <m:oMathParaPr>
+                      <m:jc m:val="centerGroup"/>
+                    </m:oMathParaPr>
+                    <m:oMath xmlns:m="http://schemas.openxmlformats.org/officeDocument/2006/math">
+                      <m:r>
+                        <a:rPr lang="fr-FR" b="0" i="1" smtClean="0">
+                          <a:solidFill>
+                            <a:schemeClr val="tx1"/>
+                          </a:solidFill>
+                          <a:latin typeface="Cambria Math" panose="02040503050406030204" pitchFamily="18" charset="0"/>
+                        </a:rPr>
+                        <m:t>𝐵</m:t>
+                      </m:r>
+                      <m:r>
+                        <a:rPr lang="fr-FR" b="0" i="1" smtClean="0">
+                          <a:solidFill>
+                            <a:schemeClr val="tx1"/>
+                          </a:solidFill>
+                          <a:latin typeface="Cambria Math" panose="02040503050406030204" pitchFamily="18" charset="0"/>
+                        </a:rPr>
+                        <m:t>(</m:t>
+                      </m:r>
+                      <m:r>
+                        <a:rPr lang="fr-FR" b="0" i="1" smtClean="0">
+                          <a:solidFill>
+                            <a:schemeClr val="tx1"/>
+                          </a:solidFill>
+                          <a:latin typeface="Cambria Math" panose="02040503050406030204" pitchFamily="18" charset="0"/>
+                        </a:rPr>
+                        <m:t>𝑝</m:t>
+                      </m:r>
+                      <m:r>
+                        <a:rPr lang="fr-FR" b="0" i="1" smtClean="0">
+                          <a:solidFill>
+                            <a:schemeClr val="tx1"/>
+                          </a:solidFill>
+                          <a:latin typeface="Cambria Math" panose="02040503050406030204" pitchFamily="18" charset="0"/>
+                        </a:rPr>
+                        <m:t>)</m:t>
+                      </m:r>
+                    </m:oMath>
+                  </m:oMathPara>
+                </a14:m>
+                <a:endParaRPr lang="fr-FR" b="0" dirty="0">
+                  <a:solidFill>
+                    <a:schemeClr val="tx1"/>
+                  </a:solidFill>
+                </a:endParaRPr>
+              </a:p>
+            </p:txBody>
+          </p:sp>
+        </mc:Choice>
+        <mc:Fallback>
+          <p:sp>
+            <p:nvSpPr>
+              <p:cNvPr id="5" name="Rectangle 4">
+                <a:extLst>
+                  <a:ext uri="{FF2B5EF4-FFF2-40B4-BE49-F238E27FC236}">
+                    <a16:creationId xmlns:a16="http://schemas.microsoft.com/office/drawing/2014/main" id="{C44BCB26-F584-4B0C-9570-006E7F957EB4}"/>
+                  </a:ext>
+                </a:extLst>
+              </p:cNvPr>
+              <p:cNvSpPr>
+                <a:spLocks noRot="1" noChangeAspect="1" noMove="1" noResize="1" noEditPoints="1" noAdjustHandles="1" noChangeArrowheads="1" noChangeShapeType="1" noTextEdit="1"/>
+              </p:cNvSpPr>
+              <p:nvPr/>
+            </p:nvSpPr>
+            <p:spPr>
+              <a:xfrm>
+                <a:off x="3131840" y="1340768"/>
+                <a:ext cx="1008112" cy="432048"/>
+              </a:xfrm>
+              <a:prstGeom prst="rect">
+                <a:avLst/>
+              </a:prstGeom>
+              <a:blipFill>
+                <a:blip r:embed="rId2"/>
+                <a:stretch>
+                  <a:fillRect b="-1351"/>
+                </a:stretch>
+              </a:blipFill>
+              <a:ln w="19050">
+                <a:solidFill>
+                  <a:schemeClr val="accent5">
+                    <a:lumMod val="50000"/>
+                  </a:schemeClr>
+                </a:solidFill>
+              </a:ln>
+            </p:spPr>
+            <p:txBody>
+              <a:bodyPr/>
+              <a:lstStyle/>
+              <a:p>
+                <a:r>
+                  <a:rPr lang="fr-FR">
+                    <a:noFill/>
+                  </a:rPr>
+                  <a:t> </a:t>
+                </a:r>
+              </a:p>
+            </p:txBody>
+          </p:sp>
+        </mc:Fallback>
+      </mc:AlternateContent>
+      <p:sp>
+        <p:nvSpPr>
+          <p:cNvPr id="12" name="Organigramme : Jonction de sommaire 11">
+            <a:extLst>
+              <a:ext uri="{FF2B5EF4-FFF2-40B4-BE49-F238E27FC236}">
+                <a16:creationId xmlns:a16="http://schemas.microsoft.com/office/drawing/2014/main" id="{C147F942-E421-45DC-9C0D-3F5735B3FDE9}"/>
+              </a:ext>
+            </a:extLst>
+          </p:cNvPr>
+          <p:cNvSpPr/>
+          <p:nvPr/>
+        </p:nvSpPr>
+        <p:spPr>
+          <a:xfrm>
+            <a:off x="4392000" y="1376792"/>
+            <a:ext cx="360000" cy="360000"/>
+          </a:xfrm>
+          <a:prstGeom prst="flowChartSummingJunction">
+            <a:avLst/>
+          </a:prstGeom>
+          <a:noFill/>
+          <a:ln w="19050">
+            <a:solidFill>
+              <a:schemeClr val="accent5">
+                <a:lumMod val="50000"/>
+              </a:schemeClr>
+            </a:solidFill>
+          </a:ln>
+        </p:spPr>
+        <p:style>
+          <a:lnRef idx="2">
+            <a:schemeClr val="accent1">
+              <a:shade val="50000"/>
+            </a:schemeClr>
+          </a:lnRef>
+          <a:fillRef idx="1">
+            <a:schemeClr val="accent1"/>
+          </a:fillRef>
+          <a:effectRef idx="0">
+            <a:schemeClr val="accent1"/>
+          </a:effectRef>
+          <a:fontRef idx="minor">
+            <a:schemeClr val="lt1"/>
+          </a:fontRef>
+        </p:style>
+        <p:txBody>
+          <a:bodyPr rot="0" spcFirstLastPara="0" vertOverflow="overflow" horzOverflow="overflow" vert="horz" wrap="square" lIns="91440" tIns="45720" rIns="91440" bIns="45720" numCol="1" spcCol="0" rtlCol="0" fromWordArt="0" anchor="ctr" anchorCtr="0" forceAA="0" compatLnSpc="1">
+            <a:prstTxWarp prst="textNoShape">
+              <a:avLst/>
+            </a:prstTxWarp>
+            <a:noAutofit/>
+          </a:bodyPr>
+          <a:lstStyle/>
+          <a:p>
+            <a:pPr algn="ctr"/>
+            <a:endParaRPr lang="fr-FR" i="1">
+              <a:solidFill>
+                <a:schemeClr val="tx1"/>
+              </a:solidFill>
+              <a:latin typeface="Cambria Math" panose="02040503050406030204" pitchFamily="18" charset="0"/>
+            </a:endParaRPr>
+          </a:p>
+        </p:txBody>
+      </p:sp>
+      <p:cxnSp>
+        <p:nvCxnSpPr>
+          <p:cNvPr id="17" name="Connecteur droit avec flèche 16">
+            <a:extLst>
+              <a:ext uri="{FF2B5EF4-FFF2-40B4-BE49-F238E27FC236}">
+                <a16:creationId xmlns:a16="http://schemas.microsoft.com/office/drawing/2014/main" id="{CBF85DDD-5522-4793-BA39-3AC2D726A3EB}"/>
+              </a:ext>
+            </a:extLst>
+          </p:cNvPr>
+          <p:cNvCxnSpPr>
+            <a:cxnSpLocks/>
+            <a:endCxn id="5" idx="1"/>
+          </p:cNvCxnSpPr>
+          <p:nvPr/>
+        </p:nvCxnSpPr>
+        <p:spPr>
+          <a:xfrm>
+            <a:off x="2699792" y="1556792"/>
+            <a:ext cx="432048" cy="0"/>
+          </a:xfrm>
+          <a:prstGeom prst="straightConnector1">
+            <a:avLst/>
+          </a:prstGeom>
+          <a:noFill/>
+          <a:ln w="19050">
+            <a:solidFill>
+              <a:schemeClr val="accent5">
+                <a:lumMod val="50000"/>
+              </a:schemeClr>
+            </a:solidFill>
+            <a:tailEnd type="stealth" w="med" len="lg"/>
+          </a:ln>
+        </p:spPr>
+        <p:style>
+          <a:lnRef idx="2">
+            <a:schemeClr val="accent1">
+              <a:shade val="50000"/>
+            </a:schemeClr>
+          </a:lnRef>
+          <a:fillRef idx="1">
+            <a:schemeClr val="accent1"/>
+          </a:fillRef>
+          <a:effectRef idx="0">
+            <a:schemeClr val="accent1"/>
+          </a:effectRef>
+          <a:fontRef idx="minor">
+            <a:schemeClr val="lt1"/>
+          </a:fontRef>
+        </p:style>
+      </p:cxnSp>
+      <p:cxnSp>
+        <p:nvCxnSpPr>
+          <p:cNvPr id="20" name="Connecteur droit avec flèche 19">
+            <a:extLst>
+              <a:ext uri="{FF2B5EF4-FFF2-40B4-BE49-F238E27FC236}">
+                <a16:creationId xmlns:a16="http://schemas.microsoft.com/office/drawing/2014/main" id="{398D9555-3AF5-4B4E-B672-0C155070B2FF}"/>
+              </a:ext>
+            </a:extLst>
+          </p:cNvPr>
+          <p:cNvCxnSpPr>
+            <a:cxnSpLocks/>
+            <a:stCxn id="5" idx="3"/>
+          </p:cNvCxnSpPr>
+          <p:nvPr/>
+        </p:nvCxnSpPr>
+        <p:spPr>
+          <a:xfrm>
+            <a:off x="4139952" y="1556792"/>
+            <a:ext cx="252048" cy="0"/>
+          </a:xfrm>
+          <a:prstGeom prst="straightConnector1">
+            <a:avLst/>
+          </a:prstGeom>
+          <a:noFill/>
+          <a:ln w="19050">
+            <a:solidFill>
+              <a:schemeClr val="accent5">
+                <a:lumMod val="50000"/>
+              </a:schemeClr>
+            </a:solidFill>
+            <a:tailEnd type="stealth" w="med" len="lg"/>
+          </a:ln>
+        </p:spPr>
+        <p:style>
+          <a:lnRef idx="2">
+            <a:schemeClr val="accent1">
+              <a:shade val="50000"/>
+            </a:schemeClr>
+          </a:lnRef>
+          <a:fillRef idx="1">
+            <a:schemeClr val="accent1"/>
+          </a:fillRef>
+          <a:effectRef idx="0">
+            <a:schemeClr val="accent1"/>
+          </a:effectRef>
+          <a:fontRef idx="minor">
+            <a:schemeClr val="lt1"/>
+          </a:fontRef>
+        </p:style>
+      </p:cxnSp>
+      <p:cxnSp>
+        <p:nvCxnSpPr>
+          <p:cNvPr id="40" name="Connecteur droit avec flèche 39">
+            <a:extLst>
+              <a:ext uri="{FF2B5EF4-FFF2-40B4-BE49-F238E27FC236}">
+                <a16:creationId xmlns:a16="http://schemas.microsoft.com/office/drawing/2014/main" id="{E3ACE995-190A-4AEB-91FC-683028B547F8}"/>
+              </a:ext>
+            </a:extLst>
+          </p:cNvPr>
+          <p:cNvCxnSpPr>
+            <a:cxnSpLocks/>
+          </p:cNvCxnSpPr>
+          <p:nvPr/>
+        </p:nvCxnSpPr>
+        <p:spPr>
+          <a:xfrm flipH="1">
+            <a:off x="4139952" y="836712"/>
+            <a:ext cx="432048" cy="0"/>
+          </a:xfrm>
+          <a:prstGeom prst="straightConnector1">
+            <a:avLst/>
+          </a:prstGeom>
+          <a:noFill/>
+          <a:ln w="19050">
+            <a:solidFill>
+              <a:schemeClr val="accent5">
+                <a:lumMod val="50000"/>
+              </a:schemeClr>
+            </a:solidFill>
+            <a:tailEnd type="none" w="med" len="lg"/>
+          </a:ln>
+        </p:spPr>
+        <p:style>
+          <a:lnRef idx="2">
+            <a:schemeClr val="accent1">
+              <a:shade val="50000"/>
+            </a:schemeClr>
+          </a:lnRef>
+          <a:fillRef idx="1">
+            <a:schemeClr val="accent1"/>
+          </a:fillRef>
+          <a:effectRef idx="0">
+            <a:schemeClr val="accent1"/>
+          </a:effectRef>
+          <a:fontRef idx="minor">
+            <a:schemeClr val="lt1"/>
+          </a:fontRef>
+        </p:style>
+      </p:cxnSp>
+      <p:cxnSp>
+        <p:nvCxnSpPr>
+          <p:cNvPr id="45" name="Connecteur droit avec flèche 44">
+            <a:extLst>
+              <a:ext uri="{FF2B5EF4-FFF2-40B4-BE49-F238E27FC236}">
+                <a16:creationId xmlns:a16="http://schemas.microsoft.com/office/drawing/2014/main" id="{F79B3126-1C0A-4A29-934D-D2BBFC74947F}"/>
+              </a:ext>
+            </a:extLst>
+          </p:cNvPr>
+          <p:cNvCxnSpPr>
+            <a:cxnSpLocks/>
+            <a:endCxn id="12" idx="0"/>
+          </p:cNvCxnSpPr>
+          <p:nvPr/>
+        </p:nvCxnSpPr>
+        <p:spPr>
+          <a:xfrm>
+            <a:off x="4572000" y="836711"/>
+            <a:ext cx="0" cy="540081"/>
+          </a:xfrm>
+          <a:prstGeom prst="straightConnector1">
+            <a:avLst/>
+          </a:prstGeom>
+          <a:noFill/>
+          <a:ln w="19050">
+            <a:solidFill>
+              <a:schemeClr val="accent5">
+                <a:lumMod val="50000"/>
+              </a:schemeClr>
+            </a:solidFill>
+            <a:tailEnd type="stealth" w="med" len="lg"/>
+          </a:ln>
+        </p:spPr>
+        <p:style>
+          <a:lnRef idx="2">
+            <a:schemeClr val="accent1">
+              <a:shade val="50000"/>
+            </a:schemeClr>
+          </a:lnRef>
+          <a:fillRef idx="1">
+            <a:schemeClr val="accent1"/>
+          </a:fillRef>
+          <a:effectRef idx="0">
+            <a:schemeClr val="accent1"/>
+          </a:effectRef>
+          <a:fontRef idx="minor">
+            <a:schemeClr val="lt1"/>
+          </a:fontRef>
+        </p:style>
+      </p:cxnSp>
+      <p:cxnSp>
+        <p:nvCxnSpPr>
+          <p:cNvPr id="48" name="Connecteur droit avec flèche 47">
+            <a:extLst>
+              <a:ext uri="{FF2B5EF4-FFF2-40B4-BE49-F238E27FC236}">
+                <a16:creationId xmlns:a16="http://schemas.microsoft.com/office/drawing/2014/main" id="{D2C9F780-ADB8-4059-8D44-6208A533DAFD}"/>
+              </a:ext>
+            </a:extLst>
+          </p:cNvPr>
+          <p:cNvCxnSpPr>
+            <a:cxnSpLocks/>
+            <a:stCxn id="12" idx="6"/>
+          </p:cNvCxnSpPr>
+          <p:nvPr/>
+        </p:nvCxnSpPr>
+        <p:spPr>
+          <a:xfrm>
+            <a:off x="4752000" y="1556792"/>
+            <a:ext cx="252048" cy="0"/>
+          </a:xfrm>
+          <a:prstGeom prst="straightConnector1">
+            <a:avLst/>
+          </a:prstGeom>
+          <a:noFill/>
+          <a:ln w="19050">
+            <a:solidFill>
+              <a:schemeClr val="accent5">
+                <a:lumMod val="50000"/>
+              </a:schemeClr>
+            </a:solidFill>
+            <a:tailEnd type="stealth" w="med" len="lg"/>
+          </a:ln>
+        </p:spPr>
+        <p:style>
+          <a:lnRef idx="2">
+            <a:schemeClr val="accent1">
+              <a:shade val="50000"/>
+            </a:schemeClr>
+          </a:lnRef>
+          <a:fillRef idx="1">
+            <a:schemeClr val="accent1"/>
+          </a:fillRef>
+          <a:effectRef idx="0">
+            <a:schemeClr val="accent1"/>
+          </a:effectRef>
+          <a:fontRef idx="minor">
+            <a:schemeClr val="lt1"/>
+          </a:fontRef>
+        </p:style>
+      </p:cxnSp>
+      <mc:AlternateContent xmlns:mc="http://schemas.openxmlformats.org/markup-compatibility/2006">
+        <mc:Choice xmlns:a14="http://schemas.microsoft.com/office/drawing/2010/main" Requires="a14">
+          <p:sp>
+            <p:nvSpPr>
+              <p:cNvPr id="50" name="Rectangle 49">
+                <a:extLst>
+                  <a:ext uri="{FF2B5EF4-FFF2-40B4-BE49-F238E27FC236}">
+                    <a16:creationId xmlns:a16="http://schemas.microsoft.com/office/drawing/2014/main" id="{03EE775E-0EEF-42AB-A565-ADE23A291062}"/>
+                  </a:ext>
+                </a:extLst>
+              </p:cNvPr>
+              <p:cNvSpPr/>
+              <p:nvPr/>
+            </p:nvSpPr>
+            <p:spPr>
+              <a:xfrm>
+                <a:off x="2042848" y="1365052"/>
+                <a:ext cx="723403" cy="369332"/>
+              </a:xfrm>
+              <a:prstGeom prst="rect">
+                <a:avLst/>
+              </a:prstGeom>
+            </p:spPr>
+            <p:txBody>
+              <a:bodyPr wrap="none">
+                <a:spAutoFit/>
+              </a:bodyPr>
+              <a:lstStyle/>
+              <a:p>
+                <a:pPr/>
+                <a14:m>
+                  <m:oMathPara xmlns:m="http://schemas.openxmlformats.org/officeDocument/2006/math">
+                    <m:oMathParaPr>
+                      <m:jc m:val="centerGroup"/>
+                    </m:oMathParaPr>
+                    <m:oMath xmlns:m="http://schemas.openxmlformats.org/officeDocument/2006/math">
+                      <m:r>
+                        <a:rPr lang="fr-FR" b="0" i="1" smtClean="0">
+                          <a:latin typeface="Cambria Math" panose="02040503050406030204" pitchFamily="18" charset="0"/>
+                        </a:rPr>
+                        <m:t>𝑈</m:t>
+                      </m:r>
+                      <m:d>
+                        <m:dPr>
+                          <m:ctrlPr>
+                            <a:rPr lang="fr-FR" i="1">
+                              <a:latin typeface="Cambria Math" panose="02040503050406030204" pitchFamily="18" charset="0"/>
+                            </a:rPr>
+                          </m:ctrlPr>
+                        </m:dPr>
+                        <m:e>
+                          <m:r>
+                            <a:rPr lang="fr-FR" i="1">
+                              <a:latin typeface="Cambria Math" panose="02040503050406030204" pitchFamily="18" charset="0"/>
+                            </a:rPr>
+                            <m:t>𝑝</m:t>
+                          </m:r>
+                        </m:e>
+                      </m:d>
+                    </m:oMath>
+                  </m:oMathPara>
+                </a14:m>
+                <a:endParaRPr lang="fr-FR" dirty="0"/>
+              </a:p>
+            </p:txBody>
+          </p:sp>
+        </mc:Choice>
+        <mc:Fallback>
+          <p:sp>
+            <p:nvSpPr>
+              <p:cNvPr id="50" name="Rectangle 49">
+                <a:extLst>
+                  <a:ext uri="{FF2B5EF4-FFF2-40B4-BE49-F238E27FC236}">
+                    <a16:creationId xmlns:a16="http://schemas.microsoft.com/office/drawing/2014/main" id="{03EE775E-0EEF-42AB-A565-ADE23A291062}"/>
+                  </a:ext>
+                </a:extLst>
+              </p:cNvPr>
+              <p:cNvSpPr>
+                <a:spLocks noRot="1" noChangeAspect="1" noMove="1" noResize="1" noEditPoints="1" noAdjustHandles="1" noChangeArrowheads="1" noChangeShapeType="1" noTextEdit="1"/>
+              </p:cNvSpPr>
+              <p:nvPr/>
+            </p:nvSpPr>
+            <p:spPr>
+              <a:xfrm>
+                <a:off x="2042848" y="1365052"/>
+                <a:ext cx="723403" cy="369332"/>
+              </a:xfrm>
+              <a:prstGeom prst="rect">
+                <a:avLst/>
+              </a:prstGeom>
+              <a:blipFill>
+                <a:blip r:embed="rId3"/>
+                <a:stretch>
+                  <a:fillRect b="-4918"/>
+                </a:stretch>
+              </a:blipFill>
+            </p:spPr>
+            <p:txBody>
+              <a:bodyPr/>
+              <a:lstStyle/>
+              <a:p>
+                <a:r>
+                  <a:rPr lang="fr-FR">
+                    <a:noFill/>
+                  </a:rPr>
+                  <a:t> </a:t>
+                </a:r>
+              </a:p>
+            </p:txBody>
+          </p:sp>
+        </mc:Fallback>
+      </mc:AlternateContent>
+      <mc:AlternateContent xmlns:mc="http://schemas.openxmlformats.org/markup-compatibility/2006" xmlns:a14="http://schemas.microsoft.com/office/drawing/2010/main">
+        <mc:Choice Requires="a14">
+          <p:sp>
+            <p:nvSpPr>
+              <p:cNvPr id="61" name="Rectangle 60">
+                <a:extLst>
+                  <a:ext uri="{FF2B5EF4-FFF2-40B4-BE49-F238E27FC236}">
+                    <a16:creationId xmlns:a16="http://schemas.microsoft.com/office/drawing/2014/main" id="{5BFA26FC-858F-48DB-B112-623760E684DF}"/>
+                  </a:ext>
+                </a:extLst>
+              </p:cNvPr>
+              <p:cNvSpPr/>
+              <p:nvPr/>
+            </p:nvSpPr>
+            <p:spPr>
+              <a:xfrm>
+                <a:off x="4297843" y="1395830"/>
+                <a:ext cx="359393" cy="307777"/>
+              </a:xfrm>
+              <a:prstGeom prst="rect">
+                <a:avLst/>
+              </a:prstGeom>
+            </p:spPr>
+            <p:txBody>
+              <a:bodyPr wrap="none">
+                <a:spAutoFit/>
+              </a:bodyPr>
+              <a:lstStyle/>
+              <a:p>
+                <a:pPr/>
+                <a14:m>
+                  <m:oMathPara xmlns:m="http://schemas.openxmlformats.org/officeDocument/2006/math">
+                    <m:oMathParaPr>
+                      <m:jc m:val="centerGroup"/>
+                    </m:oMathParaPr>
+                    <m:oMath xmlns:m="http://schemas.openxmlformats.org/officeDocument/2006/math">
+                      <m:r>
+                        <a:rPr lang="fr-FR" sz="1400" b="1" i="0" smtClean="0">
+                          <a:latin typeface="Cambria Math" panose="02040503050406030204" pitchFamily="18" charset="0"/>
+                        </a:rPr>
+                        <m:t>+</m:t>
+                      </m:r>
+                    </m:oMath>
+                  </m:oMathPara>
+                </a14:m>
+                <a:endParaRPr lang="fr-FR" sz="1400" b="1" dirty="0"/>
+              </a:p>
+            </p:txBody>
+          </p:sp>
+        </mc:Choice>
+        <mc:Fallback xmlns="">
+          <p:sp>
+            <p:nvSpPr>
+              <p:cNvPr id="61" name="Rectangle 60">
+                <a:extLst>
+                  <a:ext uri="{FF2B5EF4-FFF2-40B4-BE49-F238E27FC236}">
+                    <a16:creationId xmlns:a16="http://schemas.microsoft.com/office/drawing/2014/main" id="{5BFA26FC-858F-48DB-B112-623760E684DF}"/>
+                  </a:ext>
+                </a:extLst>
+              </p:cNvPr>
+              <p:cNvSpPr>
+                <a:spLocks noRot="1" noChangeAspect="1" noMove="1" noResize="1" noEditPoints="1" noAdjustHandles="1" noChangeArrowheads="1" noChangeShapeType="1" noTextEdit="1"/>
+              </p:cNvSpPr>
+              <p:nvPr/>
+            </p:nvSpPr>
+            <p:spPr>
+              <a:xfrm>
+                <a:off x="4297843" y="1395830"/>
+                <a:ext cx="359393" cy="307777"/>
+              </a:xfrm>
+              <a:prstGeom prst="rect">
+                <a:avLst/>
+              </a:prstGeom>
+              <a:blipFill>
+                <a:blip r:embed="rId10"/>
+                <a:stretch>
+                  <a:fillRect/>
+                </a:stretch>
+              </a:blipFill>
+            </p:spPr>
+            <p:txBody>
+              <a:bodyPr/>
+              <a:lstStyle/>
+              <a:p>
+                <a:r>
+                  <a:rPr lang="fr-FR">
+                    <a:noFill/>
+                  </a:rPr>
+                  <a:t> </a:t>
+                </a:r>
+              </a:p>
+            </p:txBody>
+          </p:sp>
+        </mc:Fallback>
+      </mc:AlternateContent>
+      <mc:AlternateContent xmlns:mc="http://schemas.openxmlformats.org/markup-compatibility/2006" xmlns:a14="http://schemas.microsoft.com/office/drawing/2010/main">
+        <mc:Choice Requires="a14">
+          <p:sp>
+            <p:nvSpPr>
+              <p:cNvPr id="63" name="Rectangle 62">
+                <a:extLst>
+                  <a:ext uri="{FF2B5EF4-FFF2-40B4-BE49-F238E27FC236}">
+                    <a16:creationId xmlns:a16="http://schemas.microsoft.com/office/drawing/2014/main" id="{992603C6-C280-4E33-8D36-32CDCAAC8A88}"/>
+                  </a:ext>
+                </a:extLst>
+              </p:cNvPr>
+              <p:cNvSpPr/>
+              <p:nvPr/>
+            </p:nvSpPr>
+            <p:spPr>
+              <a:xfrm>
+                <a:off x="4399776" y="1294986"/>
+                <a:ext cx="359393" cy="307777"/>
+              </a:xfrm>
+              <a:prstGeom prst="rect">
+                <a:avLst/>
+              </a:prstGeom>
+            </p:spPr>
+            <p:txBody>
+              <a:bodyPr wrap="none">
+                <a:spAutoFit/>
+              </a:bodyPr>
+              <a:lstStyle/>
+              <a:p>
+                <a:pPr/>
+                <a14:m>
+                  <m:oMathPara xmlns:m="http://schemas.openxmlformats.org/officeDocument/2006/math">
+                    <m:oMathParaPr>
+                      <m:jc m:val="centerGroup"/>
+                    </m:oMathParaPr>
+                    <m:oMath xmlns:m="http://schemas.openxmlformats.org/officeDocument/2006/math">
+                      <m:r>
+                        <a:rPr lang="fr-FR" sz="1400" b="1" i="0" smtClean="0">
+                          <a:latin typeface="Cambria Math" panose="02040503050406030204" pitchFamily="18" charset="0"/>
+                        </a:rPr>
+                        <m:t>+</m:t>
+                      </m:r>
+                    </m:oMath>
+                  </m:oMathPara>
+                </a14:m>
+                <a:endParaRPr lang="fr-FR" sz="1400" b="1" dirty="0"/>
+              </a:p>
+            </p:txBody>
+          </p:sp>
+        </mc:Choice>
+        <mc:Fallback xmlns="">
+          <p:sp>
+            <p:nvSpPr>
+              <p:cNvPr id="63" name="Rectangle 62">
+                <a:extLst>
+                  <a:ext uri="{FF2B5EF4-FFF2-40B4-BE49-F238E27FC236}">
+                    <a16:creationId xmlns:a16="http://schemas.microsoft.com/office/drawing/2014/main" id="{992603C6-C280-4E33-8D36-32CDCAAC8A88}"/>
+                  </a:ext>
+                </a:extLst>
+              </p:cNvPr>
+              <p:cNvSpPr>
+                <a:spLocks noRot="1" noChangeAspect="1" noMove="1" noResize="1" noEditPoints="1" noAdjustHandles="1" noChangeArrowheads="1" noChangeShapeType="1" noTextEdit="1"/>
+              </p:cNvSpPr>
+              <p:nvPr/>
+            </p:nvSpPr>
+            <p:spPr>
+              <a:xfrm>
+                <a:off x="4399776" y="1294986"/>
+                <a:ext cx="359393" cy="307777"/>
+              </a:xfrm>
+              <a:prstGeom prst="rect">
+                <a:avLst/>
+              </a:prstGeom>
+              <a:blipFill>
+                <a:blip r:embed="rId11"/>
+                <a:stretch>
+                  <a:fillRect/>
+                </a:stretch>
+              </a:blipFill>
+            </p:spPr>
+            <p:txBody>
+              <a:bodyPr/>
+              <a:lstStyle/>
+              <a:p>
+                <a:r>
+                  <a:rPr lang="fr-FR">
+                    <a:noFill/>
+                  </a:rPr>
+                  <a:t> </a:t>
+                </a:r>
+              </a:p>
+            </p:txBody>
+          </p:sp>
+        </mc:Fallback>
+      </mc:AlternateContent>
       <mc:AlternateContent xmlns:mc="http://schemas.openxmlformats.org/markup-compatibility/2006">
         <mc:Choice xmlns:a14="http://schemas.microsoft.com/office/drawing/2010/main" Requires="a14">
           <p:sp>
@@ -5075,7 +6174,7 @@
             </p:nvSpPr>
             <p:spPr>
               <a:xfrm>
-                <a:off x="3488557" y="400018"/>
+                <a:off x="2009954" y="620870"/>
                 <a:ext cx="789190" cy="369332"/>
               </a:xfrm>
               <a:prstGeom prst="rect">
@@ -5162,14 +6261,14 @@
             </p:nvSpPr>
             <p:spPr>
               <a:xfrm>
-                <a:off x="3488557" y="400018"/>
+                <a:off x="2009954" y="620870"/>
                 <a:ext cx="789190" cy="369332"/>
               </a:xfrm>
               <a:prstGeom prst="rect">
                 <a:avLst/>
               </a:prstGeom>
               <a:blipFill>
-                <a:blip r:embed="rId15"/>
+                <a:blip r:embed="rId12"/>
                 <a:stretch>
                   <a:fillRect b="-6667"/>
                 </a:stretch>
@@ -5206,7 +6305,7 @@
         </p:nvCxnSpPr>
         <p:spPr>
           <a:xfrm>
-            <a:off x="6019936" y="1569264"/>
+            <a:off x="6019936" y="1549718"/>
             <a:ext cx="756104" cy="0"/>
           </a:xfrm>
           <a:prstGeom prst="straightConnector1">
@@ -5255,7 +6354,7 @@
             </p:nvSpPr>
             <p:spPr>
               <a:xfrm>
-                <a:off x="6279760" y="1132570"/>
+                <a:off x="6012160" y="1187460"/>
                 <a:ext cx="717312" cy="369332"/>
               </a:xfrm>
               <a:prstGeom prst="rect">
@@ -5326,14 +6425,14 @@
             </p:nvSpPr>
             <p:spPr>
               <a:xfrm>
-                <a:off x="6279760" y="1132570"/>
+                <a:off x="6012160" y="1187460"/>
                 <a:ext cx="717312" cy="369332"/>
               </a:xfrm>
               <a:prstGeom prst="rect">
                 <a:avLst/>
               </a:prstGeom>
               <a:blipFill>
-                <a:blip r:embed="rId16"/>
+                <a:blip r:embed="rId13"/>
                 <a:stretch>
                   <a:fillRect b="-6667"/>
                 </a:stretch>
@@ -5354,10 +6453,375 @@
           </p:sp>
         </mc:Fallback>
       </mc:AlternateContent>
+      <mc:AlternateContent xmlns:mc="http://schemas.openxmlformats.org/markup-compatibility/2006">
+        <mc:Choice xmlns:a14="http://schemas.microsoft.com/office/drawing/2010/main" Requires="a14">
+          <p:sp>
+            <p:nvSpPr>
+              <p:cNvPr id="36" name="Rectangle 35">
+                <a:extLst>
+                  <a:ext uri="{FF2B5EF4-FFF2-40B4-BE49-F238E27FC236}">
+                    <a16:creationId xmlns:a16="http://schemas.microsoft.com/office/drawing/2014/main" id="{47A64669-1E61-4BE1-804D-E07DE08161F0}"/>
+                  </a:ext>
+                </a:extLst>
+              </p:cNvPr>
+              <p:cNvSpPr/>
+              <p:nvPr/>
+            </p:nvSpPr>
+            <p:spPr>
+              <a:xfrm>
+                <a:off x="3131840" y="620870"/>
+                <a:ext cx="1008112" cy="432048"/>
+              </a:xfrm>
+              <a:prstGeom prst="rect">
+                <a:avLst/>
+              </a:prstGeom>
+              <a:noFill/>
+              <a:ln w="19050">
+                <a:solidFill>
+                  <a:schemeClr val="accent5">
+                    <a:lumMod val="50000"/>
+                  </a:schemeClr>
+                </a:solidFill>
+              </a:ln>
+            </p:spPr>
+            <p:style>
+              <a:lnRef idx="2">
+                <a:schemeClr val="accent1">
+                  <a:shade val="50000"/>
+                </a:schemeClr>
+              </a:lnRef>
+              <a:fillRef idx="1">
+                <a:schemeClr val="accent1"/>
+              </a:fillRef>
+              <a:effectRef idx="0">
+                <a:schemeClr val="accent1"/>
+              </a:effectRef>
+              <a:fontRef idx="minor">
+                <a:schemeClr val="lt1"/>
+              </a:fontRef>
+            </p:style>
+            <p:txBody>
+              <a:bodyPr rtlCol="0" anchor="ctr"/>
+              <a:lstStyle/>
+              <a:p>
+                <a:pPr algn="ctr"/>
+                <a14:m>
+                  <m:oMathPara xmlns:m="http://schemas.openxmlformats.org/officeDocument/2006/math">
+                    <m:oMathParaPr>
+                      <m:jc m:val="centerGroup"/>
+                    </m:oMathParaPr>
+                    <m:oMath xmlns:m="http://schemas.openxmlformats.org/officeDocument/2006/math">
+                      <m:r>
+                        <a:rPr lang="fr-FR" b="0" i="1" smtClean="0">
+                          <a:solidFill>
+                            <a:schemeClr val="tx1"/>
+                          </a:solidFill>
+                          <a:latin typeface="Cambria Math" panose="02040503050406030204" pitchFamily="18" charset="0"/>
+                        </a:rPr>
+                        <m:t>𝐴</m:t>
+                      </m:r>
+                      <m:r>
+                        <a:rPr lang="fr-FR" b="0" i="1" smtClean="0">
+                          <a:solidFill>
+                            <a:schemeClr val="tx1"/>
+                          </a:solidFill>
+                          <a:latin typeface="Cambria Math" panose="02040503050406030204" pitchFamily="18" charset="0"/>
+                        </a:rPr>
+                        <m:t>(</m:t>
+                      </m:r>
+                      <m:r>
+                        <a:rPr lang="fr-FR" b="0" i="1" smtClean="0">
+                          <a:solidFill>
+                            <a:schemeClr val="tx1"/>
+                          </a:solidFill>
+                          <a:latin typeface="Cambria Math" panose="02040503050406030204" pitchFamily="18" charset="0"/>
+                        </a:rPr>
+                        <m:t>𝑝</m:t>
+                      </m:r>
+                      <m:r>
+                        <a:rPr lang="fr-FR" b="0" i="1" smtClean="0">
+                          <a:solidFill>
+                            <a:schemeClr val="tx1"/>
+                          </a:solidFill>
+                          <a:latin typeface="Cambria Math" panose="02040503050406030204" pitchFamily="18" charset="0"/>
+                        </a:rPr>
+                        <m:t>)</m:t>
+                      </m:r>
+                    </m:oMath>
+                  </m:oMathPara>
+                </a14:m>
+                <a:endParaRPr lang="fr-FR" b="0" dirty="0">
+                  <a:solidFill>
+                    <a:schemeClr val="tx1"/>
+                  </a:solidFill>
+                </a:endParaRPr>
+              </a:p>
+            </p:txBody>
+          </p:sp>
+        </mc:Choice>
+        <mc:Fallback>
+          <p:sp>
+            <p:nvSpPr>
+              <p:cNvPr id="36" name="Rectangle 35">
+                <a:extLst>
+                  <a:ext uri="{FF2B5EF4-FFF2-40B4-BE49-F238E27FC236}">
+                    <a16:creationId xmlns:a16="http://schemas.microsoft.com/office/drawing/2014/main" id="{47A64669-1E61-4BE1-804D-E07DE08161F0}"/>
+                  </a:ext>
+                </a:extLst>
+              </p:cNvPr>
+              <p:cNvSpPr>
+                <a:spLocks noRot="1" noChangeAspect="1" noMove="1" noResize="1" noEditPoints="1" noAdjustHandles="1" noChangeArrowheads="1" noChangeShapeType="1" noTextEdit="1"/>
+              </p:cNvSpPr>
+              <p:nvPr/>
+            </p:nvSpPr>
+            <p:spPr>
+              <a:xfrm>
+                <a:off x="3131840" y="620870"/>
+                <a:ext cx="1008112" cy="432048"/>
+              </a:xfrm>
+              <a:prstGeom prst="rect">
+                <a:avLst/>
+              </a:prstGeom>
+              <a:blipFill>
+                <a:blip r:embed="rId14"/>
+                <a:stretch>
+                  <a:fillRect b="-1351"/>
+                </a:stretch>
+              </a:blipFill>
+              <a:ln w="19050">
+                <a:solidFill>
+                  <a:schemeClr val="accent5">
+                    <a:lumMod val="50000"/>
+                  </a:schemeClr>
+                </a:solidFill>
+              </a:ln>
+            </p:spPr>
+            <p:txBody>
+              <a:bodyPr/>
+              <a:lstStyle/>
+              <a:p>
+                <a:r>
+                  <a:rPr lang="fr-FR">
+                    <a:noFill/>
+                  </a:rPr>
+                  <a:t> </a:t>
+                </a:r>
+              </a:p>
+            </p:txBody>
+          </p:sp>
+        </mc:Fallback>
+      </mc:AlternateContent>
+      <p:cxnSp>
+        <p:nvCxnSpPr>
+          <p:cNvPr id="38" name="Connecteur droit avec flèche 37">
+            <a:extLst>
+              <a:ext uri="{FF2B5EF4-FFF2-40B4-BE49-F238E27FC236}">
+                <a16:creationId xmlns:a16="http://schemas.microsoft.com/office/drawing/2014/main" id="{3A18CE96-3F2B-4A69-9750-57A4F13B6D3D}"/>
+              </a:ext>
+            </a:extLst>
+          </p:cNvPr>
+          <p:cNvCxnSpPr>
+            <a:cxnSpLocks/>
+          </p:cNvCxnSpPr>
+          <p:nvPr/>
+        </p:nvCxnSpPr>
+        <p:spPr>
+          <a:xfrm>
+            <a:off x="2699792" y="836711"/>
+            <a:ext cx="432048" cy="0"/>
+          </a:xfrm>
+          <a:prstGeom prst="straightConnector1">
+            <a:avLst/>
+          </a:prstGeom>
+          <a:noFill/>
+          <a:ln w="19050">
+            <a:solidFill>
+              <a:schemeClr val="accent5">
+                <a:lumMod val="50000"/>
+              </a:schemeClr>
+            </a:solidFill>
+            <a:tailEnd type="stealth" w="med" len="lg"/>
+          </a:ln>
+        </p:spPr>
+        <p:style>
+          <a:lnRef idx="2">
+            <a:schemeClr val="accent1">
+              <a:shade val="50000"/>
+            </a:schemeClr>
+          </a:lnRef>
+          <a:fillRef idx="1">
+            <a:schemeClr val="accent1"/>
+          </a:fillRef>
+          <a:effectRef idx="0">
+            <a:schemeClr val="accent1"/>
+          </a:effectRef>
+          <a:fontRef idx="minor">
+            <a:schemeClr val="lt1"/>
+          </a:fontRef>
+        </p:style>
+      </p:cxnSp>
+      <mc:AlternateContent xmlns:mc="http://schemas.openxmlformats.org/markup-compatibility/2006">
+        <mc:Choice xmlns:a14="http://schemas.microsoft.com/office/drawing/2010/main" Requires="a14">
+          <p:sp>
+            <p:nvSpPr>
+              <p:cNvPr id="39" name="Rectangle 38">
+                <a:extLst>
+                  <a:ext uri="{FF2B5EF4-FFF2-40B4-BE49-F238E27FC236}">
+                    <a16:creationId xmlns:a16="http://schemas.microsoft.com/office/drawing/2014/main" id="{FE3897B8-3283-4BDB-A8C0-E234A9017F0B}"/>
+                  </a:ext>
+                </a:extLst>
+              </p:cNvPr>
+              <p:cNvSpPr/>
+              <p:nvPr/>
+            </p:nvSpPr>
+            <p:spPr>
+              <a:xfrm>
+                <a:off x="5011824" y="1334499"/>
+                <a:ext cx="1008112" cy="432048"/>
+              </a:xfrm>
+              <a:prstGeom prst="rect">
+                <a:avLst/>
+              </a:prstGeom>
+              <a:noFill/>
+              <a:ln w="19050">
+                <a:solidFill>
+                  <a:schemeClr val="accent5">
+                    <a:lumMod val="50000"/>
+                  </a:schemeClr>
+                </a:solidFill>
+              </a:ln>
+            </p:spPr>
+            <p:style>
+              <a:lnRef idx="2">
+                <a:schemeClr val="accent1">
+                  <a:shade val="50000"/>
+                </a:schemeClr>
+              </a:lnRef>
+              <a:fillRef idx="1">
+                <a:schemeClr val="accent1"/>
+              </a:fillRef>
+              <a:effectRef idx="0">
+                <a:schemeClr val="accent1"/>
+              </a:effectRef>
+              <a:fontRef idx="minor">
+                <a:schemeClr val="lt1"/>
+              </a:fontRef>
+            </p:style>
+            <p:txBody>
+              <a:bodyPr rtlCol="0" anchor="ctr"/>
+              <a:lstStyle/>
+              <a:p>
+                <a:pPr algn="ctr"/>
+                <a14:m>
+                  <m:oMathPara xmlns:m="http://schemas.openxmlformats.org/officeDocument/2006/math">
+                    <m:oMathParaPr>
+                      <m:jc m:val="centerGroup"/>
+                    </m:oMathParaPr>
+                    <m:oMath xmlns:m="http://schemas.openxmlformats.org/officeDocument/2006/math">
+                      <m:r>
+                        <a:rPr lang="fr-FR" b="0" i="1" smtClean="0">
+                          <a:solidFill>
+                            <a:schemeClr val="tx1"/>
+                          </a:solidFill>
+                          <a:latin typeface="Cambria Math" panose="02040503050406030204" pitchFamily="18" charset="0"/>
+                        </a:rPr>
+                        <m:t>𝐶</m:t>
+                      </m:r>
+                      <m:r>
+                        <a:rPr lang="fr-FR" b="0" i="1" smtClean="0">
+                          <a:solidFill>
+                            <a:schemeClr val="tx1"/>
+                          </a:solidFill>
+                          <a:latin typeface="Cambria Math" panose="02040503050406030204" pitchFamily="18" charset="0"/>
+                        </a:rPr>
+                        <m:t>(</m:t>
+                      </m:r>
+                      <m:r>
+                        <a:rPr lang="fr-FR" b="0" i="1" smtClean="0">
+                          <a:solidFill>
+                            <a:schemeClr val="tx1"/>
+                          </a:solidFill>
+                          <a:latin typeface="Cambria Math" panose="02040503050406030204" pitchFamily="18" charset="0"/>
+                        </a:rPr>
+                        <m:t>𝑝</m:t>
+                      </m:r>
+                      <m:r>
+                        <a:rPr lang="fr-FR" b="0" i="1" smtClean="0">
+                          <a:solidFill>
+                            <a:schemeClr val="tx1"/>
+                          </a:solidFill>
+                          <a:latin typeface="Cambria Math" panose="02040503050406030204" pitchFamily="18" charset="0"/>
+                        </a:rPr>
+                        <m:t>)</m:t>
+                      </m:r>
+                    </m:oMath>
+                  </m:oMathPara>
+                </a14:m>
+                <a:endParaRPr lang="fr-FR" b="0" dirty="0">
+                  <a:solidFill>
+                    <a:schemeClr val="tx1"/>
+                  </a:solidFill>
+                </a:endParaRPr>
+              </a:p>
+            </p:txBody>
+          </p:sp>
+        </mc:Choice>
+        <mc:Fallback>
+          <p:sp>
+            <p:nvSpPr>
+              <p:cNvPr id="39" name="Rectangle 38">
+                <a:extLst>
+                  <a:ext uri="{FF2B5EF4-FFF2-40B4-BE49-F238E27FC236}">
+                    <a16:creationId xmlns:a16="http://schemas.microsoft.com/office/drawing/2014/main" id="{FE3897B8-3283-4BDB-A8C0-E234A9017F0B}"/>
+                  </a:ext>
+                </a:extLst>
+              </p:cNvPr>
+              <p:cNvSpPr>
+                <a:spLocks noRot="1" noChangeAspect="1" noMove="1" noResize="1" noEditPoints="1" noAdjustHandles="1" noChangeArrowheads="1" noChangeShapeType="1" noTextEdit="1"/>
+              </p:cNvSpPr>
+              <p:nvPr/>
+            </p:nvSpPr>
+            <p:spPr>
+              <a:xfrm>
+                <a:off x="5011824" y="1334499"/>
+                <a:ext cx="1008112" cy="432048"/>
+              </a:xfrm>
+              <a:prstGeom prst="rect">
+                <a:avLst/>
+              </a:prstGeom>
+              <a:blipFill>
+                <a:blip r:embed="rId15"/>
+                <a:stretch>
+                  <a:fillRect b="-1351"/>
+                </a:stretch>
+              </a:blipFill>
+              <a:ln w="19050">
+                <a:solidFill>
+                  <a:schemeClr val="accent5">
+                    <a:lumMod val="50000"/>
+                  </a:schemeClr>
+                </a:solidFill>
+              </a:ln>
+            </p:spPr>
+            <p:txBody>
+              <a:bodyPr/>
+              <a:lstStyle/>
+              <a:p>
+                <a:r>
+                  <a:rPr lang="fr-FR">
+                    <a:noFill/>
+                  </a:rPr>
+                  <a:t> </a:t>
+                </a:r>
+              </a:p>
+            </p:txBody>
+          </p:sp>
+        </mc:Fallback>
+      </mc:AlternateContent>
     </p:spTree>
     <p:extLst>
       <p:ext uri="{BB962C8B-B14F-4D97-AF65-F5344CB8AC3E}">
-        <p14:creationId xmlns:p14="http://schemas.microsoft.com/office/powerpoint/2010/main" val="2034094253"/>
+        <p14:creationId xmlns:p14="http://schemas.microsoft.com/office/powerpoint/2010/main" val="1362027474"/>
       </p:ext>
     </p:extLst>
   </p:cSld>
@@ -5367,7 +6831,7 @@
 </p:sld>
 </file>
 
-<file path=ppt/slides/slide2.xml><?xml version="1.0" encoding="utf-8"?>
+<file path=ppt/slides/slide3.xml><?xml version="1.0" encoding="utf-8"?>
 <p:sld xmlns:a="http://schemas.openxmlformats.org/drawingml/2006/main" xmlns:r="http://schemas.openxmlformats.org/officeDocument/2006/relationships" xmlns:p="http://schemas.openxmlformats.org/presentationml/2006/main">
   <p:cSld>
     <p:spTree>
@@ -7493,7 +8957,7 @@
 </p:sld>
 </file>
 
-<file path=ppt/slides/slide3.xml><?xml version="1.0" encoding="utf-8"?>
+<file path=ppt/slides/slide4.xml><?xml version="1.0" encoding="utf-8"?>
 <p:sld xmlns:a="http://schemas.openxmlformats.org/drawingml/2006/main" xmlns:r="http://schemas.openxmlformats.org/officeDocument/2006/relationships" xmlns:p="http://schemas.openxmlformats.org/presentationml/2006/main">
   <p:cSld>
     <p:spTree>
@@ -9762,7 +11226,7 @@
 </p:sld>
 </file>
 
-<file path=ppt/slides/slide4.xml><?xml version="1.0" encoding="utf-8"?>
+<file path=ppt/slides/slide5.xml><?xml version="1.0" encoding="utf-8"?>
 <p:sld xmlns:a="http://schemas.openxmlformats.org/drawingml/2006/main" xmlns:r="http://schemas.openxmlformats.org/officeDocument/2006/relationships" xmlns:p="http://schemas.openxmlformats.org/presentationml/2006/main">
   <p:cSld>
     <p:spTree>
@@ -10977,7 +12441,7 @@
 </p:sld>
 </file>
 
-<file path=ppt/slides/slide5.xml><?xml version="1.0" encoding="utf-8"?>
+<file path=ppt/slides/slide6.xml><?xml version="1.0" encoding="utf-8"?>
 <p:sld xmlns:a="http://schemas.openxmlformats.org/drawingml/2006/main" xmlns:r="http://schemas.openxmlformats.org/officeDocument/2006/relationships" xmlns:p="http://schemas.openxmlformats.org/presentationml/2006/main">
   <p:cSld>
     <p:spTree>
@@ -13104,7 +14568,7 @@
 </p:sld>
 </file>
 
-<file path=ppt/slides/slide6.xml><?xml version="1.0" encoding="utf-8"?>
+<file path=ppt/slides/slide7.xml><?xml version="1.0" encoding="utf-8"?>
 <p:sld xmlns:a="http://schemas.openxmlformats.org/drawingml/2006/main" xmlns:r="http://schemas.openxmlformats.org/officeDocument/2006/relationships" xmlns:p="http://schemas.openxmlformats.org/presentationml/2006/main">
   <p:cSld>
     <p:spTree>
